--- a/2-7_Random_Forest.pptx
+++ b/2-7_Random_Forest.pptx
@@ -112,6 +112,11 @@
       </a:defRPr>
     </a:lvl9pPr>
   </p:defaultTextStyle>
+  <p:extLst>
+    <p:ext uri="{EFAFB233-063F-42B5-8137-9DF3F51BA10A}">
+      <p15:sldGuideLst xmlns:p15="http://schemas.microsoft.com/office/powerpoint/2012/main"/>
+    </p:ext>
+  </p:extLst>
 </p:presentation>
 </file>
 
@@ -262,7 +267,7 @@
           <a:p>
             <a:fld id="{4B38782C-B2BC-4E96-BAAE-68BA8333DA9B}" type="datetimeFigureOut">
               <a:rPr lang="ko-KR" altLang="en-US" smtClean="0"/>
-              <a:t>2022-04-03</a:t>
+              <a:t>2022-04-11</a:t>
             </a:fld>
             <a:endParaRPr lang="ko-KR" altLang="en-US"/>
           </a:p>
@@ -460,7 +465,7 @@
           <a:p>
             <a:fld id="{4B38782C-B2BC-4E96-BAAE-68BA8333DA9B}" type="datetimeFigureOut">
               <a:rPr lang="ko-KR" altLang="en-US" smtClean="0"/>
-              <a:t>2022-04-03</a:t>
+              <a:t>2022-04-11</a:t>
             </a:fld>
             <a:endParaRPr lang="ko-KR" altLang="en-US"/>
           </a:p>
@@ -668,7 +673,7 @@
           <a:p>
             <a:fld id="{4B38782C-B2BC-4E96-BAAE-68BA8333DA9B}" type="datetimeFigureOut">
               <a:rPr lang="ko-KR" altLang="en-US" smtClean="0"/>
-              <a:t>2022-04-03</a:t>
+              <a:t>2022-04-11</a:t>
             </a:fld>
             <a:endParaRPr lang="ko-KR" altLang="en-US"/>
           </a:p>
@@ -866,7 +871,7 @@
           <a:p>
             <a:fld id="{4B38782C-B2BC-4E96-BAAE-68BA8333DA9B}" type="datetimeFigureOut">
               <a:rPr lang="ko-KR" altLang="en-US" smtClean="0"/>
-              <a:t>2022-04-03</a:t>
+              <a:t>2022-04-11</a:t>
             </a:fld>
             <a:endParaRPr lang="ko-KR" altLang="en-US"/>
           </a:p>
@@ -1141,7 +1146,7 @@
           <a:p>
             <a:fld id="{4B38782C-B2BC-4E96-BAAE-68BA8333DA9B}" type="datetimeFigureOut">
               <a:rPr lang="ko-KR" altLang="en-US" smtClean="0"/>
-              <a:t>2022-04-03</a:t>
+              <a:t>2022-04-11</a:t>
             </a:fld>
             <a:endParaRPr lang="ko-KR" altLang="en-US"/>
           </a:p>
@@ -1406,7 +1411,7 @@
           <a:p>
             <a:fld id="{4B38782C-B2BC-4E96-BAAE-68BA8333DA9B}" type="datetimeFigureOut">
               <a:rPr lang="ko-KR" altLang="en-US" smtClean="0"/>
-              <a:t>2022-04-03</a:t>
+              <a:t>2022-04-11</a:t>
             </a:fld>
             <a:endParaRPr lang="ko-KR" altLang="en-US"/>
           </a:p>
@@ -1818,7 +1823,7 @@
           <a:p>
             <a:fld id="{4B38782C-B2BC-4E96-BAAE-68BA8333DA9B}" type="datetimeFigureOut">
               <a:rPr lang="ko-KR" altLang="en-US" smtClean="0"/>
-              <a:t>2022-04-03</a:t>
+              <a:t>2022-04-11</a:t>
             </a:fld>
             <a:endParaRPr lang="ko-KR" altLang="en-US"/>
           </a:p>
@@ -1959,7 +1964,7 @@
           <a:p>
             <a:fld id="{4B38782C-B2BC-4E96-BAAE-68BA8333DA9B}" type="datetimeFigureOut">
               <a:rPr lang="ko-KR" altLang="en-US" smtClean="0"/>
-              <a:t>2022-04-03</a:t>
+              <a:t>2022-04-11</a:t>
             </a:fld>
             <a:endParaRPr lang="ko-KR" altLang="en-US"/>
           </a:p>
@@ -2072,7 +2077,7 @@
           <a:p>
             <a:fld id="{4B38782C-B2BC-4E96-BAAE-68BA8333DA9B}" type="datetimeFigureOut">
               <a:rPr lang="ko-KR" altLang="en-US" smtClean="0"/>
-              <a:t>2022-04-03</a:t>
+              <a:t>2022-04-11</a:t>
             </a:fld>
             <a:endParaRPr lang="ko-KR" altLang="en-US"/>
           </a:p>
@@ -2383,7 +2388,7 @@
           <a:p>
             <a:fld id="{4B38782C-B2BC-4E96-BAAE-68BA8333DA9B}" type="datetimeFigureOut">
               <a:rPr lang="ko-KR" altLang="en-US" smtClean="0"/>
-              <a:t>2022-04-03</a:t>
+              <a:t>2022-04-11</a:t>
             </a:fld>
             <a:endParaRPr lang="ko-KR" altLang="en-US"/>
           </a:p>
@@ -2671,7 +2676,7 @@
           <a:p>
             <a:fld id="{4B38782C-B2BC-4E96-BAAE-68BA8333DA9B}" type="datetimeFigureOut">
               <a:rPr lang="ko-KR" altLang="en-US" smtClean="0"/>
-              <a:t>2022-04-03</a:t>
+              <a:t>2022-04-11</a:t>
             </a:fld>
             <a:endParaRPr lang="ko-KR" altLang="en-US"/>
           </a:p>
@@ -2912,7 +2917,7 @@
           <a:p>
             <a:fld id="{4B38782C-B2BC-4E96-BAAE-68BA8333DA9B}" type="datetimeFigureOut">
               <a:rPr lang="ko-KR" altLang="en-US" smtClean="0"/>
-              <a:t>2022-04-03</a:t>
+              <a:t>2022-04-11</a:t>
             </a:fld>
             <a:endParaRPr lang="ko-KR" altLang="en-US"/>
           </a:p>
@@ -4027,231 +4032,223 @@
           </a:p>
         </p:txBody>
       </p:sp>
-      <p:sp>
-        <p:nvSpPr>
-          <p:cNvPr id="3" name="내용 개체 틀 2">
-            <a:extLst>
-              <a:ext uri="{FF2B5EF4-FFF2-40B4-BE49-F238E27FC236}">
-                <a16:creationId xmlns:a16="http://schemas.microsoft.com/office/drawing/2014/main" id="{72808C1D-23B4-4CD4-8789-373E2FB34C31}"/>
-              </a:ext>
-            </a:extLst>
-          </p:cNvPr>
-          <p:cNvSpPr>
-            <a:spLocks noGrp="1"/>
-          </p:cNvSpPr>
-          <p:nvPr>
-            <p:ph idx="1"/>
-          </p:nvPr>
-        </p:nvSpPr>
-        <p:spPr/>
-        <p:txBody>
-          <a:bodyPr>
-            <a:normAutofit lnSpcReduction="10000"/>
-          </a:bodyPr>
-          <a:lstStyle/>
-          <a:p>
-            <a:pPr algn="l">
-              <a:buFont typeface="Arial" panose="020B0604020202020204" pitchFamily="34" charset="0"/>
-              <a:buChar char="•"/>
-            </a:pPr>
-            <a:r>
-              <a:rPr lang="en-US" altLang="ko-KR" b="0" i="0" dirty="0">
-                <a:solidFill>
-                  <a:srgbClr val="000000"/>
-                </a:solidFill>
-                <a:effectLst/>
-              </a:rPr>
-              <a:t>When dividing learning data, impurity, which represents the imbalance of data, is digitized and used.</a:t>
-            </a:r>
-          </a:p>
-          <a:p>
-            <a:pPr algn="l">
-              <a:buFont typeface="Arial" panose="020B0604020202020204" pitchFamily="34" charset="0"/>
-              <a:buChar char="•"/>
-            </a:pPr>
-            <a:r>
-              <a:rPr lang="en-US" altLang="ko-KR" b="0" i="0" dirty="0">
-                <a:solidFill>
-                  <a:srgbClr val="000000"/>
-                </a:solidFill>
-                <a:effectLst/>
-              </a:rPr>
-              <a:t>The decision tree divides the data so that the impurity is reduced.</a:t>
-            </a:r>
-          </a:p>
-          <a:p>
-            <a:pPr algn="l">
-              <a:buFont typeface="Arial" panose="020B0604020202020204" pitchFamily="34" charset="0"/>
-              <a:buChar char="•"/>
-            </a:pPr>
-            <a:r>
-              <a:rPr lang="en-US" altLang="ko-KR" b="0" i="0" dirty="0">
-                <a:solidFill>
-                  <a:srgbClr val="000000"/>
-                </a:solidFill>
-                <a:effectLst/>
-              </a:rPr>
-              <a:t>If there are many of the same labels in the divided group, the impurity decreases.</a:t>
-            </a:r>
-          </a:p>
-          <a:p>
-            <a:pPr algn="l">
-              <a:buFont typeface="Arial" panose="020B0604020202020204" pitchFamily="34" charset="0"/>
-              <a:buChar char="•"/>
-            </a:pPr>
-            <a:r>
-              <a:rPr lang="en-US" altLang="ko-KR" b="0" i="0" dirty="0">
-                <a:solidFill>
-                  <a:srgbClr val="000000"/>
-                </a:solidFill>
-                <a:effectLst/>
-              </a:rPr>
-              <a:t>If there are many other labels in the divided group, the impurity increases.</a:t>
-            </a:r>
-          </a:p>
-          <a:p>
-            <a:pPr algn="l">
-              <a:buFont typeface="Arial" panose="020B0604020202020204" pitchFamily="34" charset="0"/>
-              <a:buChar char="•"/>
-            </a:pPr>
-            <a:r>
-              <a:rPr lang="en-US" altLang="ko-KR" b="0" i="0" dirty="0">
-                <a:solidFill>
-                  <a:srgbClr val="000000"/>
-                </a:solidFill>
-                <a:effectLst/>
-              </a:rPr>
-              <a:t>There are several indicators of impurities, where Gini index will be used.</a:t>
-            </a:r>
-          </a:p>
-        </p:txBody>
-      </p:sp>
       <mc:AlternateContent xmlns:mc="http://schemas.openxmlformats.org/markup-compatibility/2006">
         <mc:Choice xmlns:a14="http://schemas.microsoft.com/office/drawing/2010/main" Requires="a14">
           <p:sp>
             <p:nvSpPr>
-              <p:cNvPr id="4" name="TextBox 3">
+              <p:cNvPr id="3" name="내용 개체 틀 2">
                 <a:extLst>
                   <a:ext uri="{FF2B5EF4-FFF2-40B4-BE49-F238E27FC236}">
-                    <a16:creationId xmlns:a16="http://schemas.microsoft.com/office/drawing/2014/main" id="{3454252F-A1B2-49D5-8C59-6E5B9A0E593C}"/>
+                    <a16:creationId xmlns:a16="http://schemas.microsoft.com/office/drawing/2014/main" id="{72808C1D-23B4-4CD4-8789-373E2FB34C31}"/>
                   </a:ext>
                 </a:extLst>
               </p:cNvPr>
-              <p:cNvSpPr txBox="1"/>
-              <p:nvPr/>
+              <p:cNvSpPr>
+                <a:spLocks noGrp="1"/>
+              </p:cNvSpPr>
+              <p:nvPr>
+                <p:ph idx="1"/>
+              </p:nvPr>
             </p:nvSpPr>
-            <p:spPr>
-              <a:xfrm>
-                <a:off x="3288485" y="5422269"/>
-                <a:ext cx="922787" cy="754694"/>
-              </a:xfrm>
-              <a:prstGeom prst="rect">
-                <a:avLst/>
-              </a:prstGeom>
-              <a:noFill/>
-            </p:spPr>
+            <p:spPr/>
             <p:txBody>
-              <a:bodyPr wrap="square" lIns="0" tIns="0" rIns="0" bIns="0" rtlCol="0">
-                <a:spAutoFit/>
+              <a:bodyPr>
+                <a:normAutofit fontScale="92500"/>
               </a:bodyPr>
               <a:lstStyle/>
               <a:p>
+                <a:pPr algn="l">
+                  <a:buFont typeface="Arial" panose="020B0604020202020204" pitchFamily="34" charset="0"/>
+                  <a:buChar char="•"/>
+                </a:pPr>
+                <a:r>
+                  <a:rPr lang="en-US" altLang="ko-KR" b="0" i="0" dirty="0">
+                    <a:solidFill>
+                      <a:srgbClr val="000000"/>
+                    </a:solidFill>
+                    <a:effectLst/>
+                  </a:rPr>
+                  <a:t>When dividing learning data, impurity, which represents the imbalance of data, is digitized and used.</a:t>
+                </a:r>
+              </a:p>
+              <a:p>
+                <a:pPr algn="l">
+                  <a:buFont typeface="Arial" panose="020B0604020202020204" pitchFamily="34" charset="0"/>
+                  <a:buChar char="•"/>
+                </a:pPr>
+                <a:r>
+                  <a:rPr lang="en-US" altLang="ko-KR" b="0" i="0" dirty="0">
+                    <a:solidFill>
+                      <a:srgbClr val="000000"/>
+                    </a:solidFill>
+                    <a:effectLst/>
+                  </a:rPr>
+                  <a:t>The decision tree divides the data so that the impurity is reduced.</a:t>
+                </a:r>
+              </a:p>
+              <a:p>
+                <a:pPr algn="l">
+                  <a:buFont typeface="Arial" panose="020B0604020202020204" pitchFamily="34" charset="0"/>
+                  <a:buChar char="•"/>
+                </a:pPr>
+                <a:r>
+                  <a:rPr lang="en-US" altLang="ko-KR" b="0" i="0" dirty="0">
+                    <a:solidFill>
+                      <a:srgbClr val="000000"/>
+                    </a:solidFill>
+                    <a:effectLst/>
+                  </a:rPr>
+                  <a:t>If there are many of the same labels in the divided group, the impurity decreases.</a:t>
+                </a:r>
+              </a:p>
+              <a:p>
+                <a:pPr algn="l">
+                  <a:buFont typeface="Arial" panose="020B0604020202020204" pitchFamily="34" charset="0"/>
+                  <a:buChar char="•"/>
+                </a:pPr>
+                <a:r>
+                  <a:rPr lang="en-US" altLang="ko-KR" b="0" i="0" dirty="0">
+                    <a:solidFill>
+                      <a:srgbClr val="000000"/>
+                    </a:solidFill>
+                    <a:effectLst/>
+                  </a:rPr>
+                  <a:t>If there are many other labels in the divided group, the impurity increases.</a:t>
+                </a:r>
+              </a:p>
+              <a:p>
+                <a:pPr algn="l">
+                  <a:buFont typeface="Arial" panose="020B0604020202020204" pitchFamily="34" charset="0"/>
+                  <a:buChar char="•"/>
+                </a:pPr>
+                <a:r>
+                  <a:rPr lang="en-US" altLang="ko-KR" b="0" i="0" dirty="0">
+                    <a:solidFill>
+                      <a:srgbClr val="000000"/>
+                    </a:solidFill>
+                    <a:effectLst/>
+                  </a:rPr>
+                  <a:t>There are several indicators of impurities, where Gini index will be used.</a:t>
+                </a:r>
+              </a:p>
+              <a:p>
+                <a:r>
+                  <a:rPr lang="en-US" altLang="ko-KR" b="0" i="0" dirty="0">
+                    <a:solidFill>
+                      <a:srgbClr val="000000"/>
+                    </a:solidFill>
+                    <a:effectLst/>
+                  </a:rPr>
+                  <a:t>Gini index: </a:t>
+                </a:r>
                 <a14:m>
-                  <m:oMathPara xmlns:m="http://schemas.openxmlformats.org/officeDocument/2006/math">
-                    <m:oMathParaPr>
-                      <m:jc m:val="centerGroup"/>
-                    </m:oMathParaPr>
-                    <m:oMath xmlns:m="http://schemas.openxmlformats.org/officeDocument/2006/math">
-                      <m:r>
-                        <a:rPr lang="en-US" altLang="ko-KR" i="1">
-                          <a:latin typeface="Cambria Math" panose="02040503050406030204" pitchFamily="18" charset="0"/>
-                        </a:rPr>
-                        <m:t>1-</m:t>
-                      </m:r>
-                      <m:nary>
-                        <m:naryPr>
-                          <m:chr m:val="∑"/>
-                          <m:ctrlPr>
-                            <a:rPr lang="en-US" altLang="ko-KR" i="1" smtClean="0">
-                              <a:latin typeface="Cambria Math" panose="02040503050406030204" pitchFamily="18" charset="0"/>
-                            </a:rPr>
-                          </m:ctrlPr>
-                        </m:naryPr>
-                        <m:sub>
-                          <m:r>
-                            <m:rPr>
-                              <m:sty m:val="p"/>
-                              <m:brk m:alnAt="23"/>
-                            </m:rPr>
-                            <a:rPr lang="en-US" altLang="ko-KR" i="1">
-                              <a:latin typeface="Cambria Math" panose="02040503050406030204" pitchFamily="18" charset="0"/>
-                            </a:rPr>
-                            <m:t>i</m:t>
-                          </m:r>
-                          <m:r>
-                            <a:rPr lang="en-US" altLang="ko-KR" i="1">
-                              <a:latin typeface="Cambria Math" panose="02040503050406030204" pitchFamily="18" charset="0"/>
-                            </a:rPr>
-                            <m:t>=1</m:t>
-                          </m:r>
-                        </m:sub>
-                        <m:sup>
-                          <m:r>
-                            <m:rPr>
-                              <m:sty m:val="p"/>
-                            </m:rPr>
-                            <a:rPr lang="en-US" altLang="ko-KR" i="1">
-                              <a:latin typeface="Cambria Math" panose="02040503050406030204" pitchFamily="18" charset="0"/>
-                            </a:rPr>
-                            <m:t>c</m:t>
-                          </m:r>
-                        </m:sup>
-                        <m:e>
-                          <m:sSubSup>
-                            <m:sSubSupPr>
-                              <m:ctrlPr>
-                                <a:rPr lang="en-US" altLang="ko-KR" i="1" smtClean="0">
-                                  <a:latin typeface="Cambria Math" panose="02040503050406030204" pitchFamily="18" charset="0"/>
-                                </a:rPr>
-                              </m:ctrlPr>
-                            </m:sSubSupPr>
-                            <m:e>
-                              <m:r>
-                                <m:rPr>
-                                  <m:sty m:val="p"/>
-                                </m:rPr>
-                                <a:rPr lang="en-US" altLang="ko-KR" i="1">
-                                  <a:latin typeface="Cambria Math" panose="02040503050406030204" pitchFamily="18" charset="0"/>
-                                </a:rPr>
-                                <m:t>p</m:t>
-                              </m:r>
-                            </m:e>
-                            <m:sub>
-                              <m:r>
-                                <m:rPr>
-                                  <m:sty m:val="p"/>
-                                </m:rPr>
-                                <a:rPr lang="en-US" altLang="ko-KR" i="1">
-                                  <a:latin typeface="Cambria Math" panose="02040503050406030204" pitchFamily="18" charset="0"/>
-                                </a:rPr>
-                                <m:t>i</m:t>
-                              </m:r>
-                            </m:sub>
-                            <m:sup>
-                              <m:r>
-                                <a:rPr lang="en-US" altLang="ko-KR" i="1">
-                                  <a:latin typeface="Cambria Math" panose="02040503050406030204" pitchFamily="18" charset="0"/>
-                                </a:rPr>
-                                <m:t>2</m:t>
-                              </m:r>
-                            </m:sup>
-                          </m:sSubSup>
-                        </m:e>
-                      </m:nary>
-                    </m:oMath>
-                  </m:oMathPara>
+                  <m:oMath xmlns:m="http://schemas.openxmlformats.org/officeDocument/2006/math">
+                    <m:r>
+                      <a:rPr lang="en-US" altLang="ko-KR" i="1" smtClean="0">
+                        <a:latin typeface="Cambria Math" panose="02040503050406030204" pitchFamily="18" charset="0"/>
+                      </a:rPr>
+                      <m:t>−</m:t>
+                    </m:r>
+                    <m:nary>
+                      <m:naryPr>
+                        <m:chr m:val="∑"/>
+                        <m:ctrlPr>
+                          <a:rPr lang="en-US" altLang="ko-KR" i="1" smtClean="0">
+                            <a:latin typeface="Cambria Math" panose="02040503050406030204" pitchFamily="18" charset="0"/>
+                          </a:rPr>
+                        </m:ctrlPr>
+                      </m:naryPr>
+                      <m:sub>
+                        <m:r>
+                          <m:rPr>
+                            <m:sty m:val="p"/>
+                            <m:brk m:alnAt="23"/>
+                          </m:rPr>
+                          <a:rPr lang="en-US" altLang="ko-KR" i="1">
+                            <a:latin typeface="Cambria Math" panose="02040503050406030204" pitchFamily="18" charset="0"/>
+                          </a:rPr>
+                          <m:t>i</m:t>
+                        </m:r>
+                        <m:r>
+                          <a:rPr lang="en-US" altLang="ko-KR" i="1">
+                            <a:latin typeface="Cambria Math" panose="02040503050406030204" pitchFamily="18" charset="0"/>
+                          </a:rPr>
+                          <m:t>=1</m:t>
+                        </m:r>
+                      </m:sub>
+                      <m:sup>
+                        <m:r>
+                          <m:rPr>
+                            <m:sty m:val="p"/>
+                          </m:rPr>
+                          <a:rPr lang="en-US" altLang="ko-KR" i="1">
+                            <a:latin typeface="Cambria Math" panose="02040503050406030204" pitchFamily="18" charset="0"/>
+                          </a:rPr>
+                          <m:t>c</m:t>
+                        </m:r>
+                      </m:sup>
+                      <m:e>
+                        <m:sSubSup>
+                          <m:sSubSupPr>
+                            <m:ctrlPr>
+                              <a:rPr lang="en-US" altLang="ko-KR" i="1" smtClean="0">
+                                <a:latin typeface="Cambria Math" panose="02040503050406030204" pitchFamily="18" charset="0"/>
+                              </a:rPr>
+                            </m:ctrlPr>
+                          </m:sSubSupPr>
+                          <m:e>
+                            <m:r>
+                              <m:rPr>
+                                <m:sty m:val="p"/>
+                              </m:rPr>
+                              <a:rPr lang="en-US" altLang="ko-KR" i="1">
+                                <a:latin typeface="Cambria Math" panose="02040503050406030204" pitchFamily="18" charset="0"/>
+                              </a:rPr>
+                              <m:t>p</m:t>
+                            </m:r>
+                          </m:e>
+                          <m:sub>
+                            <m:r>
+                              <m:rPr>
+                                <m:sty m:val="p"/>
+                              </m:rPr>
+                              <a:rPr lang="en-US" altLang="ko-KR" i="1">
+                                <a:latin typeface="Cambria Math" panose="02040503050406030204" pitchFamily="18" charset="0"/>
+                              </a:rPr>
+                              <m:t>i</m:t>
+                            </m:r>
+                          </m:sub>
+                          <m:sup>
+                            <m:r>
+                              <a:rPr lang="en-US" altLang="ko-KR" i="1">
+                                <a:latin typeface="Cambria Math" panose="02040503050406030204" pitchFamily="18" charset="0"/>
+                              </a:rPr>
+                              <m:t>2</m:t>
+                            </m:r>
+                          </m:sup>
+                        </m:sSubSup>
+                      </m:e>
+                    </m:nary>
+                  </m:oMath>
                 </a14:m>
-                <a:endParaRPr lang="ko-KR" altLang="en-US" dirty="0"/>
+                <a:endParaRPr lang="en-US" altLang="ko-KR" b="0" i="0" dirty="0">
+                  <a:solidFill>
+                    <a:srgbClr val="000000"/>
+                  </a:solidFill>
+                  <a:effectLst/>
+                </a:endParaRPr>
+              </a:p>
+              <a:p>
+                <a:pPr algn="l">
+                  <a:buFont typeface="Arial" panose="020B0604020202020204" pitchFamily="34" charset="0"/>
+                  <a:buChar char="•"/>
+                </a:pPr>
+                <a:endParaRPr lang="en-US" altLang="ko-KR" b="0" i="0" dirty="0">
+                  <a:solidFill>
+                    <a:srgbClr val="000000"/>
+                  </a:solidFill>
+                  <a:effectLst/>
+                </a:endParaRPr>
               </a:p>
             </p:txBody>
           </p:sp>
@@ -4259,30 +4256,25 @@
         <mc:Fallback>
           <p:sp>
             <p:nvSpPr>
-              <p:cNvPr id="4" name="TextBox 3">
+              <p:cNvPr id="3" name="내용 개체 틀 2">
                 <a:extLst>
                   <a:ext uri="{FF2B5EF4-FFF2-40B4-BE49-F238E27FC236}">
-                    <a16:creationId xmlns:a16="http://schemas.microsoft.com/office/drawing/2014/main" id="{3454252F-A1B2-49D5-8C59-6E5B9A0E593C}"/>
+                    <a16:creationId xmlns:a16="http://schemas.microsoft.com/office/drawing/2014/main" id="{72808C1D-23B4-4CD4-8789-373E2FB34C31}"/>
                   </a:ext>
                 </a:extLst>
               </p:cNvPr>
-              <p:cNvSpPr txBox="1">
-                <a:spLocks noRot="1" noChangeAspect="1" noMove="1" noResize="1" noEditPoints="1" noAdjustHandles="1" noChangeArrowheads="1" noChangeShapeType="1" noTextEdit="1"/>
+              <p:cNvSpPr>
+                <a:spLocks noGrp="1" noRot="1" noChangeAspect="1" noMove="1" noResize="1" noEditPoints="1" noAdjustHandles="1" noChangeArrowheads="1" noChangeShapeType="1" noTextEdit="1"/>
               </p:cNvSpPr>
-              <p:nvPr/>
+              <p:nvPr>
+                <p:ph idx="1"/>
+              </p:nvPr>
             </p:nvSpPr>
             <p:spPr>
-              <a:xfrm>
-                <a:off x="3288485" y="5422269"/>
-                <a:ext cx="922787" cy="754694"/>
-              </a:xfrm>
-              <a:prstGeom prst="rect">
-                <a:avLst/>
-              </a:prstGeom>
               <a:blipFill>
                 <a:blip r:embed="rId2"/>
                 <a:stretch>
-                  <a:fillRect/>
+                  <a:fillRect l="-928" t="-2101" r="-290" b="-2521"/>
                 </a:stretch>
               </a:blipFill>
             </p:spPr>
@@ -4403,8 +4395,8 @@
           </a:p>
         </p:txBody>
       </p:sp>
-      <mc:AlternateContent xmlns:mc="http://schemas.openxmlformats.org/markup-compatibility/2006">
-        <mc:Choice xmlns:a14="http://schemas.microsoft.com/office/drawing/2010/main" Requires="a14">
+      <mc:AlternateContent xmlns:mc="http://schemas.openxmlformats.org/markup-compatibility/2006" xmlns:a14="http://schemas.microsoft.com/office/drawing/2010/main">
+        <mc:Choice Requires="a14">
           <p:sp>
             <p:nvSpPr>
               <p:cNvPr id="3" name="내용 개체 틀 2">
@@ -4578,7 +4570,7 @@
             </p:txBody>
           </p:sp>
         </mc:Choice>
-        <mc:Fallback>
+        <mc:Fallback xmlns="">
           <p:sp>
             <p:nvSpPr>
               <p:cNvPr id="3" name="내용 개체 틀 2">

--- a/2-7_Random_Forest.pptx
+++ b/2-7_Random_Forest.pptx
@@ -267,7 +267,7 @@
           <a:p>
             <a:fld id="{4B38782C-B2BC-4E96-BAAE-68BA8333DA9B}" type="datetimeFigureOut">
               <a:rPr lang="ko-KR" altLang="en-US" smtClean="0"/>
-              <a:t>2022-04-11</a:t>
+              <a:t>2022-04-12</a:t>
             </a:fld>
             <a:endParaRPr lang="ko-KR" altLang="en-US"/>
           </a:p>
@@ -465,7 +465,7 @@
           <a:p>
             <a:fld id="{4B38782C-B2BC-4E96-BAAE-68BA8333DA9B}" type="datetimeFigureOut">
               <a:rPr lang="ko-KR" altLang="en-US" smtClean="0"/>
-              <a:t>2022-04-11</a:t>
+              <a:t>2022-04-12</a:t>
             </a:fld>
             <a:endParaRPr lang="ko-KR" altLang="en-US"/>
           </a:p>
@@ -673,7 +673,7 @@
           <a:p>
             <a:fld id="{4B38782C-B2BC-4E96-BAAE-68BA8333DA9B}" type="datetimeFigureOut">
               <a:rPr lang="ko-KR" altLang="en-US" smtClean="0"/>
-              <a:t>2022-04-11</a:t>
+              <a:t>2022-04-12</a:t>
             </a:fld>
             <a:endParaRPr lang="ko-KR" altLang="en-US"/>
           </a:p>
@@ -871,7 +871,7 @@
           <a:p>
             <a:fld id="{4B38782C-B2BC-4E96-BAAE-68BA8333DA9B}" type="datetimeFigureOut">
               <a:rPr lang="ko-KR" altLang="en-US" smtClean="0"/>
-              <a:t>2022-04-11</a:t>
+              <a:t>2022-04-12</a:t>
             </a:fld>
             <a:endParaRPr lang="ko-KR" altLang="en-US"/>
           </a:p>
@@ -1146,7 +1146,7 @@
           <a:p>
             <a:fld id="{4B38782C-B2BC-4E96-BAAE-68BA8333DA9B}" type="datetimeFigureOut">
               <a:rPr lang="ko-KR" altLang="en-US" smtClean="0"/>
-              <a:t>2022-04-11</a:t>
+              <a:t>2022-04-12</a:t>
             </a:fld>
             <a:endParaRPr lang="ko-KR" altLang="en-US"/>
           </a:p>
@@ -1411,7 +1411,7 @@
           <a:p>
             <a:fld id="{4B38782C-B2BC-4E96-BAAE-68BA8333DA9B}" type="datetimeFigureOut">
               <a:rPr lang="ko-KR" altLang="en-US" smtClean="0"/>
-              <a:t>2022-04-11</a:t>
+              <a:t>2022-04-12</a:t>
             </a:fld>
             <a:endParaRPr lang="ko-KR" altLang="en-US"/>
           </a:p>
@@ -1823,7 +1823,7 @@
           <a:p>
             <a:fld id="{4B38782C-B2BC-4E96-BAAE-68BA8333DA9B}" type="datetimeFigureOut">
               <a:rPr lang="ko-KR" altLang="en-US" smtClean="0"/>
-              <a:t>2022-04-11</a:t>
+              <a:t>2022-04-12</a:t>
             </a:fld>
             <a:endParaRPr lang="ko-KR" altLang="en-US"/>
           </a:p>
@@ -1964,7 +1964,7 @@
           <a:p>
             <a:fld id="{4B38782C-B2BC-4E96-BAAE-68BA8333DA9B}" type="datetimeFigureOut">
               <a:rPr lang="ko-KR" altLang="en-US" smtClean="0"/>
-              <a:t>2022-04-11</a:t>
+              <a:t>2022-04-12</a:t>
             </a:fld>
             <a:endParaRPr lang="ko-KR" altLang="en-US"/>
           </a:p>
@@ -2077,7 +2077,7 @@
           <a:p>
             <a:fld id="{4B38782C-B2BC-4E96-BAAE-68BA8333DA9B}" type="datetimeFigureOut">
               <a:rPr lang="ko-KR" altLang="en-US" smtClean="0"/>
-              <a:t>2022-04-11</a:t>
+              <a:t>2022-04-12</a:t>
             </a:fld>
             <a:endParaRPr lang="ko-KR" altLang="en-US"/>
           </a:p>
@@ -2388,7 +2388,7 @@
           <a:p>
             <a:fld id="{4B38782C-B2BC-4E96-BAAE-68BA8333DA9B}" type="datetimeFigureOut">
               <a:rPr lang="ko-KR" altLang="en-US" smtClean="0"/>
-              <a:t>2022-04-11</a:t>
+              <a:t>2022-04-12</a:t>
             </a:fld>
             <a:endParaRPr lang="ko-KR" altLang="en-US"/>
           </a:p>
@@ -2676,7 +2676,7 @@
           <a:p>
             <a:fld id="{4B38782C-B2BC-4E96-BAAE-68BA8333DA9B}" type="datetimeFigureOut">
               <a:rPr lang="ko-KR" altLang="en-US" smtClean="0"/>
-              <a:t>2022-04-11</a:t>
+              <a:t>2022-04-12</a:t>
             </a:fld>
             <a:endParaRPr lang="ko-KR" altLang="en-US"/>
           </a:p>
@@ -2917,7 +2917,7 @@
           <a:p>
             <a:fld id="{4B38782C-B2BC-4E96-BAAE-68BA8333DA9B}" type="datetimeFigureOut">
               <a:rPr lang="ko-KR" altLang="en-US" smtClean="0"/>
-              <a:t>2022-04-11</a:t>
+              <a:t>2022-04-12</a:t>
             </a:fld>
             <a:endParaRPr lang="ko-KR" altLang="en-US"/>
           </a:p>
@@ -3428,6 +3428,52 @@
           </a:prstGeom>
         </p:spPr>
       </p:pic>
+      <p:sp>
+        <p:nvSpPr>
+          <p:cNvPr id="5" name="TextBox 4">
+            <a:extLst>
+              <a:ext uri="{FF2B5EF4-FFF2-40B4-BE49-F238E27FC236}">
+                <a16:creationId xmlns:a16="http://schemas.microsoft.com/office/drawing/2014/main" id="{40873A66-BD08-460C-B80F-1C26936DA06B}"/>
+              </a:ext>
+            </a:extLst>
+          </p:cNvPr>
+          <p:cNvSpPr txBox="1"/>
+          <p:nvPr/>
+        </p:nvSpPr>
+        <p:spPr>
+          <a:xfrm>
+            <a:off x="0" y="6211669"/>
+            <a:ext cx="2805576" cy="646331"/>
+          </a:xfrm>
+          <a:prstGeom prst="rect">
+            <a:avLst/>
+          </a:prstGeom>
+          <a:noFill/>
+        </p:spPr>
+        <p:txBody>
+          <a:bodyPr wrap="none" rtlCol="0">
+            <a:spAutoFit/>
+          </a:bodyPr>
+          <a:lstStyle/>
+          <a:p>
+            <a:r>
+              <a:rPr lang="ko-KR" altLang="en-US" dirty="0"/>
+              <a:t>경희대학교 컴퓨터공학과</a:t>
+            </a:r>
+            <a:endParaRPr lang="en-US" altLang="ko-KR" dirty="0"/>
+          </a:p>
+          <a:p>
+            <a:r>
+              <a:rPr lang="en-US" altLang="ko-KR" dirty="0"/>
+              <a:t>2019102191 </a:t>
+            </a:r>
+            <a:r>
+              <a:rPr lang="ko-KR" altLang="en-US" dirty="0"/>
+              <a:t>신주영</a:t>
+            </a:r>
+          </a:p>
+        </p:txBody>
+      </p:sp>
     </p:spTree>
     <p:extLst>
       <p:ext uri="{BB962C8B-B14F-4D97-AF65-F5344CB8AC3E}">
@@ -4032,8 +4078,8 @@
           </a:p>
         </p:txBody>
       </p:sp>
-      <mc:AlternateContent xmlns:mc="http://schemas.openxmlformats.org/markup-compatibility/2006">
-        <mc:Choice xmlns:a14="http://schemas.microsoft.com/office/drawing/2010/main" Requires="a14">
+      <mc:AlternateContent xmlns:mc="http://schemas.openxmlformats.org/markup-compatibility/2006" xmlns:a14="http://schemas.microsoft.com/office/drawing/2010/main">
+        <mc:Choice Requires="a14">
           <p:sp>
             <p:nvSpPr>
               <p:cNvPr id="3" name="내용 개체 틀 2">
@@ -4253,7 +4299,7 @@
             </p:txBody>
           </p:sp>
         </mc:Choice>
-        <mc:Fallback>
+        <mc:Fallback xmlns="">
           <p:sp>
             <p:nvSpPr>
               <p:cNvPr id="3" name="내용 개체 틀 2">
